--- a/openmct/docs/OpenMCTPresentation.pptx
+++ b/openmct/docs/OpenMCTPresentation.pptx
@@ -218,7 +218,7 @@
           <a:p>
             <a:fld id="{9FD36F10-DC57-8844-8384-DAA7EB02B322}" type="datetimeFigureOut">
               <a:rPr lang="en-US" smtClean="0"/>
-              <a:t>7/24/18</a:t>
+              <a:t>7/27/18</a:t>
             </a:fld>
             <a:endParaRPr lang="en-US"/>
           </a:p>
@@ -1596,7 +1596,7 @@
           <a:p>
             <a:fld id="{85791B59-3EF6-3B42-AC9A-A6556B344102}" type="datetime1">
               <a:rPr lang="en-US" smtClean="0"/>
-              <a:t>7/24/18</a:t>
+              <a:t>7/27/18</a:t>
             </a:fld>
             <a:endParaRPr lang="en-US"/>
           </a:p>
@@ -1797,7 +1797,7 @@
           <a:p>
             <a:fld id="{F5EBDD88-02FF-7447-9505-567C5C16BEB5}" type="datetime1">
               <a:rPr lang="en-US" smtClean="0"/>
-              <a:t>7/24/18</a:t>
+              <a:t>7/27/18</a:t>
             </a:fld>
             <a:endParaRPr lang="en-US"/>
           </a:p>
@@ -2008,7 +2008,7 @@
           <a:p>
             <a:fld id="{4C4E920C-ED88-C342-9F35-6267F92EF16B}" type="datetime1">
               <a:rPr lang="en-US" smtClean="0"/>
-              <a:t>7/24/18</a:t>
+              <a:t>7/27/18</a:t>
             </a:fld>
             <a:endParaRPr lang="en-US"/>
           </a:p>
@@ -2209,7 +2209,7 @@
           <a:p>
             <a:fld id="{92716C76-3FDE-174D-AF4C-09A8E99A08FE}" type="datetime1">
               <a:rPr lang="en-US" smtClean="0"/>
-              <a:t>7/24/18</a:t>
+              <a:t>7/27/18</a:t>
             </a:fld>
             <a:endParaRPr lang="en-US"/>
           </a:p>
@@ -2487,7 +2487,7 @@
           <a:p>
             <a:fld id="{F4B4B489-2EB8-4A4E-B26F-B9CC822067B3}" type="datetime1">
               <a:rPr lang="en-US" smtClean="0"/>
-              <a:t>7/24/18</a:t>
+              <a:t>7/27/18</a:t>
             </a:fld>
             <a:endParaRPr lang="en-US"/>
           </a:p>
@@ -2755,7 +2755,7 @@
           <a:p>
             <a:fld id="{1EDD2ACA-C3BA-B545-9F70-1C9D6E6884AF}" type="datetime1">
               <a:rPr lang="en-US" smtClean="0"/>
-              <a:t>7/24/18</a:t>
+              <a:t>7/27/18</a:t>
             </a:fld>
             <a:endParaRPr lang="en-US"/>
           </a:p>
@@ -3170,7 +3170,7 @@
           <a:p>
             <a:fld id="{89DDC001-1DB3-E84E-848D-91B2569F210C}" type="datetime1">
               <a:rPr lang="en-US" smtClean="0"/>
-              <a:t>7/24/18</a:t>
+              <a:t>7/27/18</a:t>
             </a:fld>
             <a:endParaRPr lang="en-US"/>
           </a:p>
@@ -3314,7 +3314,7 @@
           <a:p>
             <a:fld id="{6D6C9A29-3128-034B-A344-89824EB28293}" type="datetime1">
               <a:rPr lang="en-US" smtClean="0"/>
-              <a:t>7/24/18</a:t>
+              <a:t>7/27/18</a:t>
             </a:fld>
             <a:endParaRPr lang="en-US"/>
           </a:p>
@@ -3430,7 +3430,7 @@
           <a:p>
             <a:fld id="{22796B24-2EC2-0E43-A48B-0BBBC79331D5}" type="datetime1">
               <a:rPr lang="en-US" smtClean="0"/>
-              <a:t>7/24/18</a:t>
+              <a:t>7/27/18</a:t>
             </a:fld>
             <a:endParaRPr lang="en-US"/>
           </a:p>
@@ -3744,7 +3744,7 @@
           <a:p>
             <a:fld id="{EF8C412C-D8A2-5144-A60D-C56F18E9EE66}" type="datetime1">
               <a:rPr lang="en-US" smtClean="0"/>
-              <a:t>7/24/18</a:t>
+              <a:t>7/27/18</a:t>
             </a:fld>
             <a:endParaRPr lang="en-US"/>
           </a:p>
@@ -4035,7 +4035,7 @@
           <a:p>
             <a:fld id="{48C4F865-E990-C847-BE8E-1D153C543D73}" type="datetime1">
               <a:rPr lang="en-US" smtClean="0"/>
-              <a:t>7/24/18</a:t>
+              <a:t>7/27/18</a:t>
             </a:fld>
             <a:endParaRPr lang="en-US"/>
           </a:p>
@@ -4279,7 +4279,7 @@
           <a:p>
             <a:fld id="{2D09EC2D-1DAE-B04E-9264-F61DD7B0F992}" type="datetime1">
               <a:rPr lang="en-US" smtClean="0"/>
-              <a:t>7/24/18</a:t>
+              <a:t>7/27/18</a:t>
             </a:fld>
             <a:endParaRPr lang="en-US"/>
           </a:p>
@@ -6021,7 +6021,7 @@
         </p:nvSpPr>
         <p:spPr>
           <a:xfrm>
-            <a:off x="1254446" y="4887809"/>
+            <a:off x="1254446" y="4247850"/>
             <a:ext cx="1805651" cy="1493134"/>
           </a:xfrm>
           <a:prstGeom prst="rect">
@@ -6074,7 +6074,7 @@
         </p:nvSpPr>
         <p:spPr>
           <a:xfrm>
-            <a:off x="955790" y="2118218"/>
+            <a:off x="955790" y="1478259"/>
             <a:ext cx="2326511" cy="2106593"/>
           </a:xfrm>
           <a:prstGeom prst="rect">
@@ -6124,7 +6124,7 @@
         </p:nvSpPr>
         <p:spPr>
           <a:xfrm>
-            <a:off x="9020537" y="2118218"/>
+            <a:off x="9020537" y="1478259"/>
             <a:ext cx="2333263" cy="2106593"/>
           </a:xfrm>
           <a:prstGeom prst="rect">
@@ -6177,7 +6177,7 @@
         </p:nvSpPr>
         <p:spPr>
           <a:xfrm>
-            <a:off x="9035487" y="5009285"/>
+            <a:off x="9035487" y="4369326"/>
             <a:ext cx="2303362" cy="405114"/>
           </a:xfrm>
           <a:prstGeom prst="rect">
@@ -6229,7 +6229,7 @@
         </p:nvSpPr>
         <p:spPr>
           <a:xfrm>
-            <a:off x="2211940" y="4250221"/>
+            <a:off x="2211940" y="3610262"/>
             <a:ext cx="1565329" cy="648252"/>
           </a:xfrm>
           <a:prstGeom prst="rect">
@@ -6265,7 +6265,7 @@
         </p:nvSpPr>
         <p:spPr>
           <a:xfrm>
-            <a:off x="5216323" y="2419703"/>
+            <a:off x="5216323" y="1779744"/>
             <a:ext cx="1759352" cy="1511278"/>
           </a:xfrm>
           <a:prstGeom prst="rect">
@@ -6314,7 +6314,7 @@
         </p:nvSpPr>
         <p:spPr>
           <a:xfrm>
-            <a:off x="7252046" y="3284650"/>
+            <a:off x="7252046" y="2644691"/>
             <a:ext cx="1492672" cy="646331"/>
           </a:xfrm>
           <a:prstGeom prst="rect">
@@ -6357,7 +6357,7 @@
         </p:nvSpPr>
         <p:spPr>
           <a:xfrm>
-            <a:off x="3445263" y="3237712"/>
+            <a:off x="3445263" y="2597753"/>
             <a:ext cx="1608098" cy="646331"/>
           </a:xfrm>
           <a:prstGeom prst="rect">
@@ -6393,7 +6393,7 @@
         </p:nvSpPr>
         <p:spPr>
           <a:xfrm>
-            <a:off x="8961551" y="4419645"/>
+            <a:off x="8961551" y="3779686"/>
             <a:ext cx="1149644" cy="369332"/>
           </a:xfrm>
           <a:prstGeom prst="rect">
@@ -6428,7 +6428,7 @@
         </p:nvSpPr>
         <p:spPr>
           <a:xfrm>
-            <a:off x="9132597" y="729484"/>
+            <a:off x="9144850" y="5558914"/>
             <a:ext cx="2075168" cy="748775"/>
           </a:xfrm>
           <a:prstGeom prst="rect">
@@ -6477,7 +6477,7 @@
         </p:nvSpPr>
         <p:spPr>
           <a:xfrm>
-            <a:off x="9456687" y="1613656"/>
+            <a:off x="9397701" y="4944405"/>
             <a:ext cx="713494" cy="369332"/>
           </a:xfrm>
           <a:prstGeom prst="rect">
@@ -6512,7 +6512,7 @@
         </p:nvSpPr>
         <p:spPr>
           <a:xfrm>
-            <a:off x="5241586" y="4832622"/>
+            <a:off x="5241586" y="4192663"/>
             <a:ext cx="1708827" cy="622087"/>
           </a:xfrm>
           <a:prstGeom prst="rect">
@@ -6561,7 +6561,7 @@
         </p:nvSpPr>
         <p:spPr>
           <a:xfrm>
-            <a:off x="6211368" y="4250221"/>
+            <a:off x="6211368" y="3610262"/>
             <a:ext cx="1652336" cy="369332"/>
           </a:xfrm>
           <a:prstGeom prst="rect">
@@ -6577,7 +6577,7 @@
           <a:p>
             <a:r>
               <a:rPr lang="en-US" dirty="0"/>
-              <a:t>Binary, JSON?</a:t>
+              <a:t>Binary, JSON</a:t>
             </a:r>
           </a:p>
         </p:txBody>
@@ -6598,7 +6598,7 @@
         </p:nvCxnSpPr>
         <p:spPr>
           <a:xfrm flipV="1">
-            <a:off x="2166753" y="4250221"/>
+            <a:off x="2166753" y="3610262"/>
             <a:ext cx="2089" cy="612178"/>
           </a:xfrm>
           <a:prstGeom prst="straightConnector1">
@@ -6642,7 +6642,7 @@
         </p:nvCxnSpPr>
         <p:spPr>
           <a:xfrm>
-            <a:off x="3438791" y="3167704"/>
+            <a:off x="3438791" y="2527745"/>
             <a:ext cx="1660151" cy="7638"/>
           </a:xfrm>
           <a:prstGeom prst="straightConnector1">
@@ -6686,7 +6686,7 @@
         </p:nvCxnSpPr>
         <p:spPr>
           <a:xfrm>
-            <a:off x="7168030" y="3211154"/>
+            <a:off x="7168030" y="2571195"/>
             <a:ext cx="1660151" cy="7638"/>
           </a:xfrm>
           <a:prstGeom prst="straightConnector1">
@@ -6730,7 +6730,7 @@
         </p:nvCxnSpPr>
         <p:spPr>
           <a:xfrm flipV="1">
-            <a:off x="6093910" y="3996659"/>
+            <a:off x="6093910" y="3356700"/>
             <a:ext cx="2089" cy="790912"/>
           </a:xfrm>
           <a:prstGeom prst="straightConnector1">
@@ -6774,7 +6774,7 @@
         </p:nvCxnSpPr>
         <p:spPr>
           <a:xfrm flipH="1">
-            <a:off x="10182434" y="4279549"/>
+            <a:off x="10182434" y="3639590"/>
             <a:ext cx="4734" cy="691146"/>
           </a:xfrm>
           <a:prstGeom prst="straightConnector1">
@@ -6817,9 +6817,9 @@
           <p:nvPr/>
         </p:nvCxnSpPr>
         <p:spPr>
-          <a:xfrm flipV="1">
-            <a:off x="10182434" y="1535657"/>
-            <a:ext cx="0" cy="525330"/>
+          <a:xfrm>
+            <a:off x="10182434" y="4875408"/>
+            <a:ext cx="0" cy="608295"/>
           </a:xfrm>
           <a:prstGeom prst="straightConnector1">
             <a:avLst/>

--- a/openmct/docs/OpenMCTPresentation.pptx
+++ b/openmct/docs/OpenMCTPresentation.pptx
@@ -218,7 +218,7 @@
           <a:p>
             <a:fld id="{9FD36F10-DC57-8844-8384-DAA7EB02B322}" type="datetimeFigureOut">
               <a:rPr lang="en-US" smtClean="0"/>
-              <a:t>7/27/18</a:t>
+              <a:t>7/30/18</a:t>
             </a:fld>
             <a:endParaRPr lang="en-US"/>
           </a:p>
@@ -1596,7 +1596,7 @@
           <a:p>
             <a:fld id="{85791B59-3EF6-3B42-AC9A-A6556B344102}" type="datetime1">
               <a:rPr lang="en-US" smtClean="0"/>
-              <a:t>7/27/18</a:t>
+              <a:t>7/30/18</a:t>
             </a:fld>
             <a:endParaRPr lang="en-US"/>
           </a:p>
@@ -1797,7 +1797,7 @@
           <a:p>
             <a:fld id="{F5EBDD88-02FF-7447-9505-567C5C16BEB5}" type="datetime1">
               <a:rPr lang="en-US" smtClean="0"/>
-              <a:t>7/27/18</a:t>
+              <a:t>7/30/18</a:t>
             </a:fld>
             <a:endParaRPr lang="en-US"/>
           </a:p>
@@ -2008,7 +2008,7 @@
           <a:p>
             <a:fld id="{4C4E920C-ED88-C342-9F35-6267F92EF16B}" type="datetime1">
               <a:rPr lang="en-US" smtClean="0"/>
-              <a:t>7/27/18</a:t>
+              <a:t>7/30/18</a:t>
             </a:fld>
             <a:endParaRPr lang="en-US"/>
           </a:p>
@@ -2209,7 +2209,7 @@
           <a:p>
             <a:fld id="{92716C76-3FDE-174D-AF4C-09A8E99A08FE}" type="datetime1">
               <a:rPr lang="en-US" smtClean="0"/>
-              <a:t>7/27/18</a:t>
+              <a:t>7/30/18</a:t>
             </a:fld>
             <a:endParaRPr lang="en-US"/>
           </a:p>
@@ -2487,7 +2487,7 @@
           <a:p>
             <a:fld id="{F4B4B489-2EB8-4A4E-B26F-B9CC822067B3}" type="datetime1">
               <a:rPr lang="en-US" smtClean="0"/>
-              <a:t>7/27/18</a:t>
+              <a:t>7/30/18</a:t>
             </a:fld>
             <a:endParaRPr lang="en-US"/>
           </a:p>
@@ -2755,7 +2755,7 @@
           <a:p>
             <a:fld id="{1EDD2ACA-C3BA-B545-9F70-1C9D6E6884AF}" type="datetime1">
               <a:rPr lang="en-US" smtClean="0"/>
-              <a:t>7/27/18</a:t>
+              <a:t>7/30/18</a:t>
             </a:fld>
             <a:endParaRPr lang="en-US"/>
           </a:p>
@@ -3170,7 +3170,7 @@
           <a:p>
             <a:fld id="{89DDC001-1DB3-E84E-848D-91B2569F210C}" type="datetime1">
               <a:rPr lang="en-US" smtClean="0"/>
-              <a:t>7/27/18</a:t>
+              <a:t>7/30/18</a:t>
             </a:fld>
             <a:endParaRPr lang="en-US"/>
           </a:p>
@@ -3314,7 +3314,7 @@
           <a:p>
             <a:fld id="{6D6C9A29-3128-034B-A344-89824EB28293}" type="datetime1">
               <a:rPr lang="en-US" smtClean="0"/>
-              <a:t>7/27/18</a:t>
+              <a:t>7/30/18</a:t>
             </a:fld>
             <a:endParaRPr lang="en-US"/>
           </a:p>
@@ -3430,7 +3430,7 @@
           <a:p>
             <a:fld id="{22796B24-2EC2-0E43-A48B-0BBBC79331D5}" type="datetime1">
               <a:rPr lang="en-US" smtClean="0"/>
-              <a:t>7/27/18</a:t>
+              <a:t>7/30/18</a:t>
             </a:fld>
             <a:endParaRPr lang="en-US"/>
           </a:p>
@@ -3744,7 +3744,7 @@
           <a:p>
             <a:fld id="{EF8C412C-D8A2-5144-A60D-C56F18E9EE66}" type="datetime1">
               <a:rPr lang="en-US" smtClean="0"/>
-              <a:t>7/27/18</a:t>
+              <a:t>7/30/18</a:t>
             </a:fld>
             <a:endParaRPr lang="en-US"/>
           </a:p>
@@ -4035,7 +4035,7 @@
           <a:p>
             <a:fld id="{48C4F865-E990-C847-BE8E-1D153C543D73}" type="datetime1">
               <a:rPr lang="en-US" smtClean="0"/>
-              <a:t>7/27/18</a:t>
+              <a:t>7/30/18</a:t>
             </a:fld>
             <a:endParaRPr lang="en-US"/>
           </a:p>
@@ -4279,7 +4279,7 @@
           <a:p>
             <a:fld id="{2D09EC2D-1DAE-B04E-9264-F61DD7B0F992}" type="datetime1">
               <a:rPr lang="en-US" smtClean="0"/>
-              <a:t>7/27/18</a:t>
+              <a:t>7/30/18</a:t>
             </a:fld>
             <a:endParaRPr lang="en-US"/>
           </a:p>
@@ -6055,7 +6055,7 @@
             </a:r>
             <a:r>
               <a:rPr lang="en-US" dirty="0"/>
-              <a:t> Application</a:t>
+              <a:t> Target</a:t>
             </a:r>
           </a:p>
         </p:txBody>
@@ -6130,6 +6130,11 @@
           <a:prstGeom prst="rect">
             <a:avLst/>
           </a:prstGeom>
+          <a:solidFill>
+            <a:schemeClr val="accent6">
+              <a:lumMod val="75000"/>
+            </a:schemeClr>
+          </a:solidFill>
         </p:spPr>
         <p:style>
           <a:lnRef idx="2">
@@ -6184,7 +6189,9 @@
             <a:avLst/>
           </a:prstGeom>
           <a:solidFill>
-            <a:schemeClr val="tx2"/>
+            <a:schemeClr val="accent6">
+              <a:lumMod val="50000"/>
+            </a:schemeClr>
           </a:solidFill>
         </p:spPr>
         <p:style>
@@ -6434,6 +6441,9 @@
           <a:prstGeom prst="rect">
             <a:avLst/>
           </a:prstGeom>
+          <a:solidFill>
+            <a:schemeClr val="tx2"/>
+          </a:solidFill>
         </p:spPr>
         <p:style>
           <a:lnRef idx="2">
@@ -6518,6 +6528,9 @@
           <a:prstGeom prst="rect">
             <a:avLst/>
           </a:prstGeom>
+          <a:solidFill>
+            <a:schemeClr val="tx2"/>
+          </a:solidFill>
         </p:spPr>
         <p:style>
           <a:lnRef idx="2">
